--- a/presentations/intermediate/Presentation_Buehler_Steuerlein.pptx
+++ b/presentations/intermediate/Presentation_Buehler_Steuerlein.pptx
@@ -226,7 +226,7 @@
           <a:p>
             <a:fld id="{3D100699-F170-47EF-8601-8ACFF448602A}" type="datetimeFigureOut">
               <a:rPr lang="de-DE" smtClean="0"/>
-              <a:t>26.11.2018</a:t>
+              <a:t>27.11.2018</a:t>
             </a:fld>
             <a:endParaRPr lang="de-DE"/>
           </a:p>
@@ -863,7 +863,23 @@
             </a:r>
             <a:r>
               <a:rPr lang="de-DE" dirty="0" err="1"/>
-              <a:t>noware</a:t>
+              <a:t>no</a:t>
+            </a:r>
+            <a:r>
+              <a:rPr lang="de-DE" dirty="0"/>
+              <a:t> </a:t>
+            </a:r>
+            <a:r>
+              <a:rPr lang="de-DE" dirty="0" err="1"/>
+              <a:t>we</a:t>
+            </a:r>
+            <a:r>
+              <a:rPr lang="de-DE" dirty="0"/>
+              <a:t> </a:t>
+            </a:r>
+            <a:r>
+              <a:rPr lang="de-DE" dirty="0" err="1"/>
+              <a:t>are</a:t>
             </a:r>
             <a:r>
               <a:rPr lang="de-DE" dirty="0"/>
@@ -977,6 +993,11 @@
               <a:rPr lang="de-DE" dirty="0"/>
               <a:t> </a:t>
             </a:r>
+            <a:r>
+              <a:rPr lang="de-DE" dirty="0" err="1"/>
+              <a:t>study</a:t>
+            </a:r>
+            <a:endParaRPr lang="de-DE" dirty="0"/>
           </a:p>
         </p:txBody>
       </p:sp>
@@ -3821,7 +3842,7 @@
         <p:spPr>
           <a:xfrm>
             <a:off x="251520" y="179007"/>
-            <a:ext cx="3024336" cy="664551"/>
+            <a:ext cx="2957845" cy="664551"/>
           </a:xfrm>
           <a:prstGeom prst="roundRect">
             <a:avLst/>
@@ -8654,8 +8675,351 @@
                   <a:schemeClr val="tx1"/>
                 </a:solidFill>
               </a:rPr>
-              <a:t>LUL</a:t>
-            </a:r>
+              <a:t>Can </a:t>
+            </a:r>
+            <a:r>
+              <a:rPr lang="de-DE" dirty="0" err="1">
+                <a:solidFill>
+                  <a:schemeClr val="tx1"/>
+                </a:solidFill>
+              </a:rPr>
+              <a:t>we</a:t>
+            </a:r>
+            <a:r>
+              <a:rPr lang="de-DE" dirty="0">
+                <a:solidFill>
+                  <a:schemeClr val="tx1"/>
+                </a:solidFill>
+              </a:rPr>
+              <a:t> </a:t>
+            </a:r>
+            <a:r>
+              <a:rPr lang="en-US" dirty="0">
+                <a:solidFill>
+                  <a:schemeClr val="tx1"/>
+                </a:solidFill>
+              </a:rPr>
+              <a:t>take the S3 Mini away?</a:t>
+            </a:r>
+          </a:p>
+          <a:p>
+            <a:pPr marL="285750" indent="-285750">
+              <a:buClr>
+                <a:srgbClr val="137CBE"/>
+              </a:buClr>
+              <a:buFont typeface="Wingdings" panose="05000000000000000000" pitchFamily="2" charset="2"/>
+              <a:buChar char="§"/>
+            </a:pPr>
+            <a:endParaRPr lang="de-DE" dirty="0">
+              <a:solidFill>
+                <a:schemeClr val="tx1"/>
+              </a:solidFill>
+            </a:endParaRPr>
+          </a:p>
+          <a:p>
+            <a:pPr marL="285750" indent="-285750">
+              <a:buClr>
+                <a:srgbClr val="137CBE"/>
+              </a:buClr>
+              <a:buFont typeface="Wingdings" panose="05000000000000000000" pitchFamily="2" charset="2"/>
+              <a:buChar char="§"/>
+            </a:pPr>
+            <a:r>
+              <a:rPr lang="de-DE" dirty="0">
+                <a:solidFill>
+                  <a:schemeClr val="tx1"/>
+                </a:solidFill>
+              </a:rPr>
+              <a:t>Are n x m </a:t>
+            </a:r>
+            <a:r>
+              <a:rPr lang="de-DE" dirty="0" err="1">
+                <a:solidFill>
+                  <a:schemeClr val="tx1"/>
+                </a:solidFill>
+              </a:rPr>
+              <a:t>touches</a:t>
+            </a:r>
+            <a:r>
+              <a:rPr lang="de-DE" dirty="0">
+                <a:solidFill>
+                  <a:schemeClr val="tx1"/>
+                </a:solidFill>
+              </a:rPr>
+              <a:t> </a:t>
+            </a:r>
+            <a:r>
+              <a:rPr lang="de-DE" dirty="0" err="1">
+                <a:solidFill>
+                  <a:schemeClr val="tx1"/>
+                </a:solidFill>
+              </a:rPr>
+              <a:t>sufficient</a:t>
+            </a:r>
+            <a:r>
+              <a:rPr lang="de-DE" dirty="0">
+                <a:solidFill>
+                  <a:schemeClr val="tx1"/>
+                </a:solidFill>
+              </a:rPr>
+              <a:t>?</a:t>
+            </a:r>
+            <a:br>
+              <a:rPr lang="de-DE" dirty="0">
+                <a:solidFill>
+                  <a:schemeClr val="tx1"/>
+                </a:solidFill>
+              </a:rPr>
+            </a:br>
+            <a:r>
+              <a:rPr lang="de-DE" dirty="0">
+                <a:solidFill>
+                  <a:schemeClr val="tx1"/>
+                </a:solidFill>
+              </a:rPr>
+              <a:t>(</a:t>
+            </a:r>
+            <a:r>
+              <a:rPr lang="de-DE" dirty="0" err="1">
+                <a:solidFill>
+                  <a:schemeClr val="tx1"/>
+                </a:solidFill>
+              </a:rPr>
+              <a:t>with</a:t>
+            </a:r>
+            <a:r>
+              <a:rPr lang="de-DE" dirty="0">
+                <a:solidFill>
+                  <a:schemeClr val="tx1"/>
+                </a:solidFill>
+              </a:rPr>
+              <a:t> e.g. a 10 x 15 </a:t>
+            </a:r>
+            <a:r>
+              <a:rPr lang="de-DE" dirty="0" err="1">
+                <a:solidFill>
+                  <a:schemeClr val="tx1"/>
+                </a:solidFill>
+              </a:rPr>
+              <a:t>grid</a:t>
+            </a:r>
+            <a:r>
+              <a:rPr lang="de-DE" dirty="0">
+                <a:solidFill>
+                  <a:schemeClr val="tx1"/>
+                </a:solidFill>
+              </a:rPr>
+              <a:t>)</a:t>
+            </a:r>
+          </a:p>
+          <a:p>
+            <a:pPr marL="285750" indent="-285750">
+              <a:buClr>
+                <a:srgbClr val="137CBE"/>
+              </a:buClr>
+              <a:buFont typeface="Wingdings" panose="05000000000000000000" pitchFamily="2" charset="2"/>
+              <a:buChar char="§"/>
+            </a:pPr>
+            <a:endParaRPr lang="de-DE" dirty="0">
+              <a:solidFill>
+                <a:schemeClr val="tx1"/>
+              </a:solidFill>
+            </a:endParaRPr>
+          </a:p>
+          <a:p>
+            <a:pPr marL="285750" indent="-285750">
+              <a:buClr>
+                <a:srgbClr val="137CBE"/>
+              </a:buClr>
+              <a:buFont typeface="Wingdings" panose="05000000000000000000" pitchFamily="2" charset="2"/>
+              <a:buChar char="§"/>
+            </a:pPr>
+            <a:r>
+              <a:rPr lang="de-DE" dirty="0" err="1">
+                <a:solidFill>
+                  <a:schemeClr val="tx1"/>
+                </a:solidFill>
+              </a:rPr>
+              <a:t>For</a:t>
+            </a:r>
+            <a:r>
+              <a:rPr lang="de-DE" dirty="0">
+                <a:solidFill>
+                  <a:schemeClr val="tx1"/>
+                </a:solidFill>
+              </a:rPr>
+              <a:t> </a:t>
+            </a:r>
+            <a:r>
+              <a:rPr lang="de-DE" dirty="0" err="1">
+                <a:solidFill>
+                  <a:schemeClr val="tx1"/>
+                </a:solidFill>
+              </a:rPr>
+              <a:t>writing</a:t>
+            </a:r>
+            <a:r>
+              <a:rPr lang="de-DE" dirty="0">
+                <a:solidFill>
+                  <a:schemeClr val="tx1"/>
+                </a:solidFill>
+              </a:rPr>
+              <a:t> </a:t>
+            </a:r>
+            <a:r>
+              <a:rPr lang="de-DE" dirty="0" err="1">
+                <a:solidFill>
+                  <a:schemeClr val="tx1"/>
+                </a:solidFill>
+              </a:rPr>
+              <a:t>the</a:t>
+            </a:r>
+            <a:r>
+              <a:rPr lang="de-DE" dirty="0">
+                <a:solidFill>
+                  <a:schemeClr val="tx1"/>
+                </a:solidFill>
+              </a:rPr>
+              <a:t> </a:t>
+            </a:r>
+            <a:r>
+              <a:rPr lang="de-DE" dirty="0" err="1">
+                <a:solidFill>
+                  <a:schemeClr val="tx1"/>
+                </a:solidFill>
+              </a:rPr>
+              <a:t>paper</a:t>
+            </a:r>
+            <a:r>
+              <a:rPr lang="de-DE" dirty="0">
+                <a:solidFill>
+                  <a:schemeClr val="tx1"/>
+                </a:solidFill>
+              </a:rPr>
+              <a:t>, </a:t>
+            </a:r>
+            <a:r>
+              <a:rPr lang="de-DE" dirty="0" err="1">
+                <a:solidFill>
+                  <a:schemeClr val="tx1"/>
+                </a:solidFill>
+              </a:rPr>
+              <a:t>which</a:t>
+            </a:r>
+            <a:r>
+              <a:rPr lang="de-DE" dirty="0">
+                <a:solidFill>
+                  <a:schemeClr val="tx1"/>
+                </a:solidFill>
+              </a:rPr>
+              <a:t> </a:t>
+            </a:r>
+            <a:r>
+              <a:rPr lang="de-DE" dirty="0" err="1">
+                <a:solidFill>
+                  <a:schemeClr val="tx1"/>
+                </a:solidFill>
+              </a:rPr>
+              <a:t>layout</a:t>
+            </a:r>
+            <a:r>
+              <a:rPr lang="de-DE" dirty="0">
+                <a:solidFill>
+                  <a:schemeClr val="tx1"/>
+                </a:solidFill>
+              </a:rPr>
+              <a:t> </a:t>
+            </a:r>
+            <a:r>
+              <a:rPr lang="de-DE" dirty="0" err="1">
+                <a:solidFill>
+                  <a:schemeClr val="tx1"/>
+                </a:solidFill>
+              </a:rPr>
+              <a:t>shall</a:t>
+            </a:r>
+            <a:r>
+              <a:rPr lang="de-DE" dirty="0">
+                <a:solidFill>
+                  <a:schemeClr val="tx1"/>
+                </a:solidFill>
+              </a:rPr>
+              <a:t> </a:t>
+            </a:r>
+            <a:r>
+              <a:rPr lang="de-DE" dirty="0" err="1">
+                <a:solidFill>
+                  <a:schemeClr val="tx1"/>
+                </a:solidFill>
+              </a:rPr>
+              <a:t>we</a:t>
+            </a:r>
+            <a:r>
+              <a:rPr lang="de-DE" dirty="0">
+                <a:solidFill>
+                  <a:schemeClr val="tx1"/>
+                </a:solidFill>
+              </a:rPr>
+              <a:t> </a:t>
+            </a:r>
+            <a:r>
+              <a:rPr lang="de-DE" dirty="0" err="1">
+                <a:solidFill>
+                  <a:schemeClr val="tx1"/>
+                </a:solidFill>
+              </a:rPr>
+              <a:t>use</a:t>
+            </a:r>
+            <a:r>
+              <a:rPr lang="de-DE" dirty="0">
+                <a:solidFill>
+                  <a:schemeClr val="tx1"/>
+                </a:solidFill>
+              </a:rPr>
+              <a:t>?</a:t>
+            </a:r>
+          </a:p>
+          <a:p>
+            <a:pPr marL="285750" indent="-285750">
+              <a:buClr>
+                <a:srgbClr val="137CBE"/>
+              </a:buClr>
+              <a:buFont typeface="Wingdings" panose="05000000000000000000" pitchFamily="2" charset="2"/>
+              <a:buChar char="§"/>
+            </a:pPr>
+            <a:endParaRPr lang="de-DE" dirty="0">
+              <a:solidFill>
+                <a:schemeClr val="tx1"/>
+              </a:solidFill>
+            </a:endParaRPr>
+          </a:p>
+          <a:p>
+            <a:pPr marL="285750" indent="-285750">
+              <a:buClr>
+                <a:srgbClr val="137CBE"/>
+              </a:buClr>
+              <a:buFont typeface="Wingdings" panose="05000000000000000000" pitchFamily="2" charset="2"/>
+              <a:buChar char="§"/>
+            </a:pPr>
+            <a:endParaRPr lang="de-DE" dirty="0">
+              <a:solidFill>
+                <a:schemeClr val="tx1"/>
+              </a:solidFill>
+            </a:endParaRPr>
+          </a:p>
+          <a:p>
+            <a:pPr marL="285750" indent="-285750">
+              <a:buClr>
+                <a:srgbClr val="137CBE"/>
+              </a:buClr>
+              <a:buFont typeface="Wingdings" panose="05000000000000000000" pitchFamily="2" charset="2"/>
+              <a:buChar char="§"/>
+            </a:pPr>
+            <a:endParaRPr lang="de-DE" dirty="0">
+              <a:solidFill>
+                <a:schemeClr val="tx1"/>
+              </a:solidFill>
+            </a:endParaRPr>
           </a:p>
           <a:p>
             <a:pPr>
